--- a/connectAPI.pptx
+++ b/connectAPI.pptx
@@ -187,6 +187,30 @@
     </pc:docChg>
   </pc:docChgLst>
   <pc:docChgLst>
+    <pc:chgData clId="Web-{89E76543-A0F1-4D16-91F2-3A5DC9C66266}"/>
+    <pc:docChg chg="modSld">
+      <pc:chgData name="" userId="" providerId="" clId="Web-{89E76543-A0F1-4D16-91F2-3A5DC9C66266}" dt="2019-05-23T16:02:13.846" v="0"/>
+      <pc:docMkLst>
+        <pc:docMk/>
+      </pc:docMkLst>
+      <pc:sldChg chg="modSp">
+        <pc:chgData name="" userId="" providerId="" clId="Web-{89E76543-A0F1-4D16-91F2-3A5DC9C66266}" dt="2019-05-23T16:02:13.846" v="0"/>
+        <pc:sldMkLst>
+          <pc:docMk/>
+          <pc:sldMk cId="928410796" sldId="256"/>
+        </pc:sldMkLst>
+        <pc:spChg chg="ord">
+          <ac:chgData name="" userId="" providerId="" clId="Web-{89E76543-A0F1-4D16-91F2-3A5DC9C66266}" dt="2019-05-23T16:02:13.846" v="0"/>
+          <ac:spMkLst>
+            <pc:docMk/>
+            <pc:sldMk cId="928410796" sldId="256"/>
+            <ac:spMk id="2" creationId="{EBF6406D-E4D2-45CE-9D5D-6E5A67693647}"/>
+          </ac:spMkLst>
+        </pc:spChg>
+      </pc:sldChg>
+    </pc:docChg>
+  </pc:docChgLst>
+  <pc:docChgLst>
     <pc:chgData clId="Web-{42771D40-D436-4C0E-8755-C1CD3D0AED10}"/>
     <pc:docChg chg="modSld">
       <pc:chgData name="" userId="" providerId="" clId="Web-{42771D40-D436-4C0E-8755-C1CD3D0AED10}" dt="2019-05-22T00:24:55.001" v="18" actId="20577"/>
@@ -290,6 +314,38 @@
       </pc:sldChg>
     </pc:docChg>
   </pc:docChgLst>
+  <pc:docChgLst>
+    <pc:chgData clId="Web-{42CE8BA2-884E-425D-8AA6-5E855F6DF5B8}"/>
+    <pc:docChg chg="modSld">
+      <pc:chgData name="" userId="" providerId="" clId="Web-{42CE8BA2-884E-425D-8AA6-5E855F6DF5B8}" dt="2019-05-23T16:07:08.434" v="19"/>
+      <pc:docMkLst>
+        <pc:docMk/>
+      </pc:docMkLst>
+      <pc:sldChg chg="addSp delSp modSp">
+        <pc:chgData name="" userId="" providerId="" clId="Web-{42CE8BA2-884E-425D-8AA6-5E855F6DF5B8}" dt="2019-05-23T16:07:08.434" v="19"/>
+        <pc:sldMkLst>
+          <pc:docMk/>
+          <pc:sldMk cId="928410796" sldId="256"/>
+        </pc:sldMkLst>
+        <pc:spChg chg="mod">
+          <ac:chgData name="" userId="" providerId="" clId="Web-{42CE8BA2-884E-425D-8AA6-5E855F6DF5B8}" dt="2019-05-23T16:06:29.792" v="17" actId="1076"/>
+          <ac:spMkLst>
+            <pc:docMk/>
+            <pc:sldMk cId="928410796" sldId="256"/>
+            <ac:spMk id="8" creationId="{411D1705-666B-1B47-8932-DAF11F6486D1}"/>
+          </ac:spMkLst>
+        </pc:spChg>
+        <pc:picChg chg="add del mod">
+          <ac:chgData name="" userId="" providerId="" clId="Web-{42CE8BA2-884E-425D-8AA6-5E855F6DF5B8}" dt="2019-05-23T16:07:08.434" v="19"/>
+          <ac:picMkLst>
+            <pc:docMk/>
+            <pc:sldMk cId="928410796" sldId="256"/>
+            <ac:picMk id="3" creationId="{92CFE748-D418-40CE-A4C7-419052EC3397}"/>
+          </ac:picMkLst>
+        </pc:picChg>
+      </pc:sldChg>
+    </pc:docChg>
+  </pc:docChgLst>
 </pc:chgInfo>
 </file>
 
@@ -440,7 +496,7 @@
           <a:p>
             <a:fld id="{F60AD38A-E219-B14A-BE0F-6E44237E83E0}" type="datetimeFigureOut">
               <a:rPr lang="en-US" smtClean="0"/>
-              <a:t>5/21/2019</a:t>
+              <a:t>5/23/19</a:t>
             </a:fld>
             <a:endParaRPr lang="en-US"/>
           </a:p>
@@ -638,7 +694,7 @@
           <a:p>
             <a:fld id="{F60AD38A-E219-B14A-BE0F-6E44237E83E0}" type="datetimeFigureOut">
               <a:rPr lang="en-US" smtClean="0"/>
-              <a:t>5/21/2019</a:t>
+              <a:t>5/23/19</a:t>
             </a:fld>
             <a:endParaRPr lang="en-US"/>
           </a:p>
@@ -846,7 +902,7 @@
           <a:p>
             <a:fld id="{F60AD38A-E219-B14A-BE0F-6E44237E83E0}" type="datetimeFigureOut">
               <a:rPr lang="en-US" smtClean="0"/>
-              <a:t>5/21/2019</a:t>
+              <a:t>5/23/19</a:t>
             </a:fld>
             <a:endParaRPr lang="en-US"/>
           </a:p>
@@ -1044,7 +1100,7 @@
           <a:p>
             <a:fld id="{F60AD38A-E219-B14A-BE0F-6E44237E83E0}" type="datetimeFigureOut">
               <a:rPr lang="en-US" smtClean="0"/>
-              <a:t>5/21/2019</a:t>
+              <a:t>5/23/19</a:t>
             </a:fld>
             <a:endParaRPr lang="en-US"/>
           </a:p>
@@ -1319,7 +1375,7 @@
           <a:p>
             <a:fld id="{F60AD38A-E219-B14A-BE0F-6E44237E83E0}" type="datetimeFigureOut">
               <a:rPr lang="en-US" smtClean="0"/>
-              <a:t>5/21/2019</a:t>
+              <a:t>5/23/19</a:t>
             </a:fld>
             <a:endParaRPr lang="en-US"/>
           </a:p>
@@ -1584,7 +1640,7 @@
           <a:p>
             <a:fld id="{F60AD38A-E219-B14A-BE0F-6E44237E83E0}" type="datetimeFigureOut">
               <a:rPr lang="en-US" smtClean="0"/>
-              <a:t>5/21/2019</a:t>
+              <a:t>5/23/19</a:t>
             </a:fld>
             <a:endParaRPr lang="en-US"/>
           </a:p>
@@ -1996,7 +2052,7 @@
           <a:p>
             <a:fld id="{F60AD38A-E219-B14A-BE0F-6E44237E83E0}" type="datetimeFigureOut">
               <a:rPr lang="en-US" smtClean="0"/>
-              <a:t>5/21/2019</a:t>
+              <a:t>5/23/19</a:t>
             </a:fld>
             <a:endParaRPr lang="en-US"/>
           </a:p>
@@ -2137,7 +2193,7 @@
           <a:p>
             <a:fld id="{F60AD38A-E219-B14A-BE0F-6E44237E83E0}" type="datetimeFigureOut">
               <a:rPr lang="en-US" smtClean="0"/>
-              <a:t>5/21/2019</a:t>
+              <a:t>5/23/19</a:t>
             </a:fld>
             <a:endParaRPr lang="en-US"/>
           </a:p>
@@ -2250,7 +2306,7 @@
           <a:p>
             <a:fld id="{F60AD38A-E219-B14A-BE0F-6E44237E83E0}" type="datetimeFigureOut">
               <a:rPr lang="en-US" smtClean="0"/>
-              <a:t>5/21/2019</a:t>
+              <a:t>5/23/19</a:t>
             </a:fld>
             <a:endParaRPr lang="en-US"/>
           </a:p>
@@ -2561,7 +2617,7 @@
           <a:p>
             <a:fld id="{F60AD38A-E219-B14A-BE0F-6E44237E83E0}" type="datetimeFigureOut">
               <a:rPr lang="en-US" smtClean="0"/>
-              <a:t>5/21/2019</a:t>
+              <a:t>5/23/19</a:t>
             </a:fld>
             <a:endParaRPr lang="en-US"/>
           </a:p>
@@ -2849,7 +2905,7 @@
           <a:p>
             <a:fld id="{F60AD38A-E219-B14A-BE0F-6E44237E83E0}" type="datetimeFigureOut">
               <a:rPr lang="en-US" smtClean="0"/>
-              <a:t>5/21/2019</a:t>
+              <a:t>5/23/19</a:t>
             </a:fld>
             <a:endParaRPr lang="en-US"/>
           </a:p>
@@ -3090,7 +3146,7 @@
           <a:p>
             <a:fld id="{F60AD38A-E219-B14A-BE0F-6E44237E83E0}" type="datetimeFigureOut">
               <a:rPr lang="en-US" smtClean="0"/>
-              <a:t>5/21/2019</a:t>
+              <a:t>5/23/19</a:t>
             </a:fld>
             <a:endParaRPr lang="en-US"/>
           </a:p>
@@ -3507,6 +3563,64 @@
           <a:chExt cx="0" cy="0"/>
         </a:xfrm>
       </p:grpSpPr>
+      <p:sp>
+        <p:nvSpPr>
+          <p:cNvPr id="2" name="TextBox 1">
+            <a:extLst>
+              <a:ext uri="{FF2B5EF4-FFF2-40B4-BE49-F238E27FC236}">
+                <a16:creationId xmlns:a16="http://schemas.microsoft.com/office/drawing/2014/main" id="{EBF6406D-E4D2-45CE-9D5D-6E5A67693647}"/>
+              </a:ext>
+            </a:extLst>
+          </p:cNvPr>
+          <p:cNvSpPr txBox="1"/>
+          <p:nvPr/>
+        </p:nvSpPr>
+        <p:spPr>
+          <a:xfrm rot="900000">
+            <a:off x="8571514" y="6056156"/>
+            <a:ext cx="2528887" cy="769441"/>
+          </a:xfrm>
+          <a:prstGeom prst="rect">
+            <a:avLst/>
+          </a:prstGeom>
+          <a:noFill/>
+        </p:spPr>
+        <p:txBody>
+          <a:bodyPr rot="0" spcFirstLastPara="0" vertOverflow="overflow" horzOverflow="overflow" vert="horz" wrap="square" lIns="91440" tIns="45720" rIns="91440" bIns="45720" numCol="1" spcCol="0" rtlCol="0" fromWordArt="0" anchor="t" anchorCtr="0" forceAA="0" compatLnSpc="1">
+            <a:prstTxWarp prst="textNoShape">
+              <a:avLst/>
+            </a:prstTxWarp>
+            <a:spAutoFit/>
+          </a:bodyPr>
+          <a:lstStyle/>
+          <a:p>
+            <a:r>
+              <a:rPr lang="en-US" sz="1600" i="1" dirty="0"/>
+              <a:t>&lt;-- the "caller model":</a:t>
+            </a:r>
+            <a:br>
+              <a:rPr lang="en-US" sz="1600" i="1" dirty="0"/>
+            </a:br>
+            <a:r>
+              <a:rPr lang="en-US" sz="1400" i="1" dirty="0">
+                <a:cs typeface="Calibri"/>
+              </a:rPr>
+              <a:t>    you call us,</a:t>
+            </a:r>
+            <a:br>
+              <a:rPr lang="en-US" sz="1400" i="1" dirty="0">
+                <a:cs typeface="Calibri"/>
+              </a:rPr>
+            </a:br>
+            <a:r>
+              <a:rPr lang="en-US" sz="1400" i="1" dirty="0">
+                <a:cs typeface="Calibri"/>
+              </a:rPr>
+              <a:t> we don't call you</a:t>
+            </a:r>
+          </a:p>
+        </p:txBody>
+      </p:sp>
       <p:pic>
         <p:nvPicPr>
           <p:cNvPr id="5" name="Picture 4" descr="A close up of a sign&#10;&#10;Description automatically generated">
@@ -3540,6 +3654,7 @@
       <p:pic>
         <p:nvPicPr>
           <p:cNvPr id="7" name="Picture 6">
+            <a:hlinkClick r:id="rId3"/>
             <a:extLst>
               <a:ext uri="{FF2B5EF4-FFF2-40B4-BE49-F238E27FC236}">
                 <a16:creationId xmlns:a16="http://schemas.microsoft.com/office/drawing/2014/main" id="{E25E674E-022D-3640-803D-6EDF897E8CB2}"/>
@@ -3552,7 +3667,7 @@
           <p:nvPr/>
         </p:nvPicPr>
         <p:blipFill>
-          <a:blip r:embed="rId3"/>
+          <a:blip r:embed="rId4"/>
           <a:stretch>
             <a:fillRect/>
           </a:stretch>
@@ -3570,6 +3685,7 @@
       <p:sp>
         <p:nvSpPr>
           <p:cNvPr id="8" name="TextBox 7">
+            <a:hlinkClick r:id="rId5"/>
             <a:extLst>
               <a:ext uri="{FF2B5EF4-FFF2-40B4-BE49-F238E27FC236}">
                 <a16:creationId xmlns:a16="http://schemas.microsoft.com/office/drawing/2014/main" id="{411D1705-666B-1B47-8932-DAF11F6486D1}"/>
@@ -3581,7 +3697,7 @@
         </p:nvSpPr>
         <p:spPr>
           <a:xfrm>
-            <a:off x="2070220" y="-201707"/>
+            <a:off x="2077211" y="-229670"/>
             <a:ext cx="1317990" cy="1061829"/>
           </a:xfrm>
           <a:prstGeom prst="rect">
@@ -3603,7 +3719,7 @@
               </a:rPr>
               <a:t>API</a:t>
             </a:r>
-            <a:endParaRPr lang="en-US" sz="6300" b="1">
+            <a:endParaRPr lang="en-US" sz="6300" b="1" dirty="0">
               <a:solidFill>
                 <a:srgbClr val="C00000"/>
               </a:solidFill>
@@ -4028,7 +4144,7 @@
             </a:r>
             <a:r>
               <a:rPr lang="en-US" sz="1600" dirty="0">
-                <a:hlinkClick r:id="rId4"/>
+                <a:hlinkClick r:id="rId6"/>
               </a:rPr>
               <a:t>github.com/episphere/connect</a:t>
             </a:r>
@@ -4045,7 +4161,7 @@
             </a:r>
             <a:r>
               <a:rPr lang="en-US" sz="1600" dirty="0">
-                <a:hlinkClick r:id="rId5"/>
+                <a:hlinkClick r:id="rId7"/>
               </a:rPr>
               <a:t>fedramp.gov</a:t>
             </a:r>
@@ -4074,7 +4190,7 @@
             </a:r>
             <a:r>
               <a:rPr lang="en-US" sz="1600" dirty="0">
-                <a:hlinkClick r:id="rId6"/>
+                <a:hlinkClick r:id="rId8"/>
               </a:rPr>
               <a:t>github.com/episphere/sas-connect</a:t>
             </a:r>
@@ -4931,64 +5047,37 @@
           </p:txBody>
         </p:sp>
       </p:grpSp>
-      <p:sp>
-        <p:nvSpPr>
-          <p:cNvPr id="2" name="TextBox 1">
-            <a:extLst>
-              <a:ext uri="{FF2B5EF4-FFF2-40B4-BE49-F238E27FC236}">
-                <a16:creationId xmlns:a16="http://schemas.microsoft.com/office/drawing/2014/main" id="{EBF6406D-E4D2-45CE-9D5D-6E5A67693647}"/>
-              </a:ext>
-            </a:extLst>
-          </p:cNvPr>
-          <p:cNvSpPr txBox="1"/>
+      <p:pic>
+        <p:nvPicPr>
+          <p:cNvPr id="6" name="Picture 5" descr="A close up of a sign&#10;&#10;Description automatically generated">
+            <a:hlinkClick r:id="rId9"/>
+            <a:extLst>
+              <a:ext uri="{FF2B5EF4-FFF2-40B4-BE49-F238E27FC236}">
+                <a16:creationId xmlns:a16="http://schemas.microsoft.com/office/drawing/2014/main" id="{27E4E024-E4F7-BA44-B61A-AAFCD49E8C54}"/>
+              </a:ext>
+            </a:extLst>
+          </p:cNvPr>
+          <p:cNvPicPr>
+            <a:picLocks noChangeAspect="1"/>
+          </p:cNvPicPr>
           <p:nvPr/>
-        </p:nvSpPr>
+        </p:nvPicPr>
+        <p:blipFill>
+          <a:blip r:embed="rId10"/>
+          <a:stretch>
+            <a:fillRect/>
+          </a:stretch>
+        </p:blipFill>
         <p:spPr>
-          <a:xfrm rot="900000">
-            <a:off x="8571514" y="6056156"/>
-            <a:ext cx="2528887" cy="769441"/>
+          <a:xfrm>
+            <a:off x="3395201" y="287313"/>
+            <a:ext cx="1105229" cy="314823"/>
           </a:xfrm>
           <a:prstGeom prst="rect">
             <a:avLst/>
           </a:prstGeom>
-          <a:noFill/>
         </p:spPr>
-        <p:txBody>
-          <a:bodyPr rot="0" spcFirstLastPara="0" vertOverflow="overflow" horzOverflow="overflow" vert="horz" wrap="square" lIns="91440" tIns="45720" rIns="91440" bIns="45720" numCol="1" spcCol="0" rtlCol="0" fromWordArt="0" anchor="t" anchorCtr="0" forceAA="0" compatLnSpc="1">
-            <a:prstTxWarp prst="textNoShape">
-              <a:avLst/>
-            </a:prstTxWarp>
-            <a:spAutoFit/>
-          </a:bodyPr>
-          <a:lstStyle/>
-          <a:p>
-            <a:r>
-              <a:rPr lang="en-US" sz="1600" i="1" dirty="0"/>
-              <a:t>&lt;-- the "caller model":</a:t>
-            </a:r>
-            <a:br>
-              <a:rPr lang="en-US" sz="1600" i="1" dirty="0"/>
-            </a:br>
-            <a:r>
-              <a:rPr lang="en-US" sz="1400" i="1" dirty="0">
-                <a:cs typeface="Calibri"/>
-              </a:rPr>
-              <a:t>    you call us,</a:t>
-            </a:r>
-            <a:br>
-              <a:rPr lang="en-US" sz="1400" i="1" dirty="0">
-                <a:cs typeface="Calibri"/>
-              </a:rPr>
-            </a:br>
-            <a:r>
-              <a:rPr lang="en-US" sz="1400" i="1" dirty="0">
-                <a:cs typeface="Calibri"/>
-              </a:rPr>
-              <a:t> we don't call you</a:t>
-            </a:r>
-          </a:p>
-        </p:txBody>
-      </p:sp>
+      </p:pic>
     </p:spTree>
     <p:extLst>
       <p:ext uri="{BB962C8B-B14F-4D97-AF65-F5344CB8AC3E}">
